--- a/Software_Verification_and_Examples/Statics_Examples/00_Software_Verification_D_bar_Statics/D_Bar_Statics.pptx
+++ b/Software_Verification_and_Examples/Statics_Examples/00_Software_Verification_D_bar_Statics/D_Bar_Statics.pptx
@@ -219,7 +219,7 @@
           <a:p>
             <a:fld id="{E41F4A2C-2C53-0146-A828-E1D94FDE2541}" type="datetimeFigureOut">
               <a:rPr lang="en-US" smtClean="0"/>
-              <a:t>3/14/2019</a:t>
+              <a:t>9/8/2019</a:t>
             </a:fld>
             <a:endParaRPr lang="en-US"/>
           </a:p>
@@ -716,7 +716,7 @@
           <a:p>
             <a:fld id="{D4FCFE05-DBF8-F547-9B02-3A9703C35B2B}" type="datetimeFigureOut">
               <a:rPr lang="en-US" smtClean="0"/>
-              <a:t>3/14/2019</a:t>
+              <a:t>9/8/2019</a:t>
             </a:fld>
             <a:endParaRPr lang="en-US"/>
           </a:p>
@@ -1040,7 +1040,7 @@
           <a:p>
             <a:fld id="{D4FCFE05-DBF8-F547-9B02-3A9703C35B2B}" type="datetimeFigureOut">
               <a:rPr lang="en-US" smtClean="0"/>
-              <a:t>3/14/2019</a:t>
+              <a:t>9/8/2019</a:t>
             </a:fld>
             <a:endParaRPr lang="en-US"/>
           </a:p>
@@ -2098,7 +2098,21 @@
                 <a:latin typeface="Arial" panose="020B0604020202020204" pitchFamily="34" charset="0"/>
                 <a:cs typeface="Arial" panose="020B0604020202020204" pitchFamily="34" charset="0"/>
               </a:rPr>
-              <a:t>Tensegrity Engineering Analysis Master</a:t>
+              <a:t>M</a:t>
+            </a:r>
+            <a:r>
+              <a:rPr lang="en-US" altLang="zh-CN" sz="2600" dirty="0">
+                <a:latin typeface="Arial" panose="020B0604020202020204" pitchFamily="34" charset="0"/>
+                <a:cs typeface="Arial" panose="020B0604020202020204" pitchFamily="34" charset="0"/>
+              </a:rPr>
+              <a:t>odeling of </a:t>
+            </a:r>
+            <a:r>
+              <a:rPr lang="en-US" sz="2600" dirty="0">
+                <a:latin typeface="Arial" panose="020B0604020202020204" pitchFamily="34" charset="0"/>
+                <a:cs typeface="Arial" panose="020B0604020202020204" pitchFamily="34" charset="0"/>
+              </a:rPr>
+              <a:t>Tensegrity Structures (MOTES)</a:t>
             </a:r>
           </a:p>
           <a:p>
@@ -2247,7 +2261,7 @@
         <p:spPr>
           <a:xfrm>
             <a:off x="3442077" y="6492426"/>
-            <a:ext cx="2420856" cy="369332"/>
+            <a:ext cx="2677336" cy="369332"/>
           </a:xfrm>
           <a:prstGeom prst="rect">
             <a:avLst/>
@@ -2268,27 +2282,7 @@
                 <a:latin typeface="Arial" panose="020B0604020202020204" pitchFamily="34" charset="0"/>
                 <a:cs typeface="Arial" panose="020B0604020202020204" pitchFamily="34" charset="0"/>
               </a:rPr>
-              <a:t>TEAM, F</a:t>
-            </a:r>
-            <a:r>
-              <a:rPr lang="en-US" altLang="zh-CN" b="1" dirty="0">
-                <a:solidFill>
-                  <a:srgbClr val="FFFF00"/>
-                </a:solidFill>
-                <a:latin typeface="Arial" panose="020B0604020202020204" pitchFamily="34" charset="0"/>
-                <a:cs typeface="Arial" panose="020B0604020202020204" pitchFamily="34" charset="0"/>
-              </a:rPr>
-              <a:t>eb</a:t>
-            </a:r>
-            <a:r>
-              <a:rPr lang="en-US" b="1" dirty="0">
-                <a:solidFill>
-                  <a:srgbClr val="FFFF00"/>
-                </a:solidFill>
-                <a:latin typeface="Arial" panose="020B0604020202020204" pitchFamily="34" charset="0"/>
-                <a:cs typeface="Arial" panose="020B0604020202020204" pitchFamily="34" charset="0"/>
-              </a:rPr>
-              <a:t> 4</a:t>
+              <a:t>MOTES, Sept 7</a:t>
             </a:r>
             <a:r>
               <a:rPr lang="en-US" b="1" baseline="30000" dirty="0">
